--- a/项目演示.pptx
+++ b/项目演示.pptx
@@ -113,6 +113,11 @@
       </a:defRPr>
     </a:lvl9pPr>
   </p:defaultTextStyle>
+  <p:extLst>
+    <p:ext uri="{505F2C04-C923-438B-8C0F-E0CD2BADF298}">
+      <wppc:fontMiss xmlns:wppc="http://www.wps.cn/officeDocument/PresentationCustomData" type="true"/>
+    </p:ext>
+  </p:extLst>
 </p:presentation>
 </file>
 
@@ -10225,7 +10230,9 @@
         </p:nvSpPr>
         <p:spPr/>
         <p:txBody>
-          <a:bodyPr/>
+          <a:bodyPr>
+            <a:normAutofit/>
+          </a:bodyPr>
           <a:p>
             <a:pPr marL="0" indent="0" algn="l">
               <a:lnSpc>
@@ -10235,13 +10242,73 @@
             </a:pPr>
             <a:r>
               <a:rPr lang="zh-CN" altLang="en-US" sz="3600">
-                <a:hlinkClick r:id="rId1" tooltip="" action="ppaction://hlinkfile"/>
+                <a:hlinkClick r:id="rId1" action="ppaction://hlinkfile"/>
               </a:rPr>
-              <a:t>https://github.com/1207English/final</a:t>
+              <a:t>https://github.com/1207English/final  </a:t>
             </a:r>
             <a:endParaRPr lang="zh-CN" altLang="en-US" sz="3600">
-              <a:hlinkClick r:id="rId1" tooltip="" action="ppaction://hlinkfile"/>
+              <a:hlinkClick r:id="rId1" action="ppaction://hlinkfile"/>
             </a:endParaRPr>
+          </a:p>
+          <a:p>
+            <a:pPr marL="0" indent="0" algn="l">
+              <a:lnSpc>
+                <a:spcPct val="280000"/>
+              </a:lnSpc>
+              <a:buNone/>
+            </a:pPr>
+            <a:endParaRPr lang="en-US" altLang="zh-CN" sz="3600">
+              <a:hlinkClick r:id="rId1" action="ppaction://hlinkfile"/>
+            </a:endParaRPr>
+          </a:p>
+          <a:p>
+            <a:pPr marL="0" indent="0" algn="l">
+              <a:lnSpc>
+                <a:spcPct val="280000"/>
+              </a:lnSpc>
+              <a:buNone/>
+            </a:pPr>
+            <a:endParaRPr sz="2400">
+              <a:hlinkClick r:id="rId1" action="ppaction://hlinkfile"/>
+            </a:endParaRPr>
+          </a:p>
+        </p:txBody>
+      </p:sp>
+      <p:sp>
+        <p:nvSpPr>
+          <p:cNvPr id="4" name="文本框 3"/>
+          <p:cNvSpPr txBox="1"/>
+          <p:nvPr/>
+        </p:nvSpPr>
+        <p:spPr>
+          <a:xfrm>
+            <a:off x="837565" y="5232400"/>
+            <a:ext cx="9534525" cy="930275"/>
+          </a:xfrm>
+          <a:prstGeom prst="rect">
+            <a:avLst/>
+          </a:prstGeom>
+          <a:noFill/>
+        </p:spPr>
+        <p:txBody>
+          <a:bodyPr wrap="square" rtlCol="0">
+            <a:spAutoFit/>
+          </a:bodyPr>
+          <a:p>
+            <a:pPr>
+              <a:lnSpc>
+                <a:spcPct val="130000"/>
+              </a:lnSpc>
+            </a:pPr>
+            <a:r>
+              <a:rPr lang="zh-CN" altLang="en-US" sz="2400" b="1"/>
+              <a:t>PS:</a:t>
+            </a:r>
+            <a:r>
+              <a:rPr lang="zh-CN" altLang="en-US"/>
+              <a:t>本小组是自己创建的一个新的仓库，所以无法pull request到李老师的原仓库，打开上面链接，里面有所有的文件。</a:t>
+            </a:r>
+            <a:endParaRPr lang="zh-CN" altLang="en-US"/>
           </a:p>
         </p:txBody>
       </p:sp>
